--- a/cheatsheet.pptx
+++ b/cheatsheet.pptx
@@ -310,6 +310,11 @@
       </a:defRPr>
     </a:lvl9pPr>
   </p:defaultTextStyle>
+  <p:extLst>
+    <p:ext uri="{EFAFB233-063F-42B5-8137-9DF3F51BA10A}">
+      <p15:sldGuideLst xmlns:p15="http://schemas.microsoft.com/office/powerpoint/2012/main"/>
+    </p:ext>
+  </p:extLst>
 </p:presentation>
 </file>
 
@@ -2135,7 +2140,7 @@
           </a:ln>
           <a:extLst>
             <a:ext uri="{C572A759-6A51-4108-AA02-DFA0A04FC94B}">
-              <ma14:wrappingTextBoxFlag xmlns:ma14="http://schemas.microsoft.com/office/mac/drawingml/2011/main" xmlns="" val="1"/>
+              <ma14:wrappingTextBoxFlag xmlns="" xmlns:ma14="http://schemas.microsoft.com/office/mac/drawingml/2011/main" val="1"/>
             </a:ext>
           </a:extLst>
         </p:spPr>
@@ -2174,7 +2179,7 @@
           </a:ln>
           <a:extLst>
             <a:ext uri="{C572A759-6A51-4108-AA02-DFA0A04FC94B}">
-              <ma14:wrappingTextBoxFlag xmlns:ma14="http://schemas.microsoft.com/office/mac/drawingml/2011/main" xmlns="" val="1"/>
+              <ma14:wrappingTextBoxFlag xmlns="" xmlns:ma14="http://schemas.microsoft.com/office/mac/drawingml/2011/main" val="1"/>
             </a:ext>
           </a:extLst>
         </p:spPr>
@@ -3154,7 +3159,7 @@
           </a:ln>
           <a:extLst>
             <a:ext uri="{C572A759-6A51-4108-AA02-DFA0A04FC94B}">
-              <ma14:wrappingTextBoxFlag xmlns:ma14="http://schemas.microsoft.com/office/mac/drawingml/2011/main" xmlns="" val="1"/>
+              <ma14:wrappingTextBoxFlag xmlns="" xmlns:ma14="http://schemas.microsoft.com/office/mac/drawingml/2011/main" val="1"/>
             </a:ext>
           </a:extLst>
         </p:spPr>
@@ -3223,87 +3228,6 @@
           </a:p>
         </p:txBody>
       </p:sp>
-      <p:sp>
-        <p:nvSpPr>
-          <p:cNvPr id="133" name="Four Column Layout : : CHEAT SHEET"/>
-          <p:cNvSpPr txBox="1">
-            <a:spLocks noGrp="1"/>
-          </p:cNvSpPr>
-          <p:nvPr>
-            <p:ph type="title"/>
-          </p:nvPr>
-        </p:nvSpPr>
-        <p:spPr>
-          <a:xfrm>
-            <a:off x="275721" y="361177"/>
-            <a:ext cx="10898129" cy="803346"/>
-          </a:xfrm>
-          <a:prstGeom prst="rect">
-            <a:avLst/>
-          </a:prstGeom>
-        </p:spPr>
-        <p:txBody>
-          <a:bodyPr lIns="0" tIns="0" rIns="0" bIns="0" anchor="t"/>
-          <a:lstStyle/>
-          <a:p>
-            <a:r>
-              <a:rPr sz="3300" dirty="0">
-                <a:latin typeface="Source Sans Pro Semibold"/>
-                <a:ea typeface="Source Sans Pro Semibold"/>
-                <a:cs typeface="Source Sans Pro Semibold"/>
-                <a:sym typeface="Source Sans Pro Semibold"/>
-              </a:rPr>
-              <a:t>CHEAT SHEET</a:t>
-            </a:r>
-            <a:r>
-              <a:rPr dirty="0"/>
-              <a:t> </a:t>
-            </a:r>
-          </a:p>
-        </p:txBody>
-      </p:sp>
-      <p:sp>
-        <p:nvSpPr>
-          <p:cNvPr id="135" name="Line"/>
-          <p:cNvSpPr/>
-          <p:nvPr/>
-        </p:nvSpPr>
-        <p:spPr>
-          <a:xfrm flipV="1">
-            <a:off x="282688" y="1164043"/>
-            <a:ext cx="13124215" cy="66776"/>
-          </a:xfrm>
-          <a:prstGeom prst="line">
-            <a:avLst/>
-          </a:prstGeom>
-          <a:ln w="3175">
-            <a:solidFill>
-              <a:srgbClr val="767C85"/>
-            </a:solidFill>
-            <a:miter lim="400000"/>
-          </a:ln>
-        </p:spPr>
-        <p:txBody>
-          <a:bodyPr lIns="54570" tIns="54570" rIns="54570" bIns="54570" anchor="ctr"/>
-          <a:lstStyle/>
-          <a:p>
-            <a:pPr>
-              <a:lnSpc>
-                <a:spcPct val="80000"/>
-              </a:lnSpc>
-              <a:spcBef>
-                <a:spcPts val="600"/>
-              </a:spcBef>
-              <a:defRPr b="0">
-                <a:solidFill>
-                  <a:srgbClr val="000000"/>
-                </a:solidFill>
-              </a:defRPr>
-            </a:pPr>
-            <a:endParaRPr/>
-          </a:p>
-        </p:txBody>
-      </p:sp>
       <p:pic>
         <p:nvPicPr>
           <p:cNvPr id="262" name="rstudio.png" descr="rstudio.png"/>
@@ -3322,7 +3246,7 @@
         </p:blipFill>
         <p:spPr>
           <a:xfrm>
-            <a:off x="10838182" y="1181840"/>
+            <a:off x="10783217" y="18324"/>
             <a:ext cx="1364120" cy="1580970"/>
           </a:xfrm>
           <a:prstGeom prst="rect">
@@ -3361,7 +3285,7 @@
         </p:blipFill>
         <p:spPr>
           <a:xfrm>
-            <a:off x="1485286" y="1301643"/>
+            <a:off x="1304971" y="179541"/>
             <a:ext cx="1193299" cy="1255558"/>
           </a:xfrm>
           <a:prstGeom prst="rect">
@@ -3384,13 +3308,13 @@
           <p:nvPr>
             <p:extLst>
               <p:ext uri="{D42A27DB-BD31-4B8C-83A1-F6EECF244321}">
-                <p14:modId xmlns:p14="http://schemas.microsoft.com/office/powerpoint/2010/main" val="859462306"/>
+                <p14:modId xmlns:p14="http://schemas.microsoft.com/office/powerpoint/2010/main" val="3466508816"/>
               </p:ext>
             </p:extLst>
           </p:nvPr>
         </p:nvGraphicFramePr>
         <p:xfrm>
-          <a:off x="5247692" y="2784343"/>
+          <a:off x="5114169" y="1813479"/>
           <a:ext cx="3911023" cy="3737270"/>
         </p:xfrm>
         <a:graphic>
@@ -5149,13 +5073,13 @@
           <p:nvPr>
             <p:extLst>
               <p:ext uri="{D42A27DB-BD31-4B8C-83A1-F6EECF244321}">
-                <p14:modId xmlns:p14="http://schemas.microsoft.com/office/powerpoint/2010/main" val="2758299797"/>
+                <p14:modId xmlns:p14="http://schemas.microsoft.com/office/powerpoint/2010/main" val="3477821912"/>
               </p:ext>
             </p:extLst>
           </p:nvPr>
         </p:nvGraphicFramePr>
         <p:xfrm>
-          <a:off x="5247692" y="8244299"/>
+          <a:off x="5127621" y="7540438"/>
           <a:ext cx="3090829" cy="962025"/>
         </p:xfrm>
         <a:graphic>
@@ -5740,7 +5664,7 @@
         </p:blipFill>
         <p:spPr>
           <a:xfrm>
-            <a:off x="5986166" y="1257702"/>
+            <a:off x="6187169" y="-60790"/>
             <a:ext cx="1364120" cy="1482116"/>
           </a:xfrm>
           <a:prstGeom prst="rect">
@@ -5776,7 +5700,7 @@
         </p:blipFill>
         <p:spPr>
           <a:xfrm>
-            <a:off x="5902711" y="6774645"/>
+            <a:off x="6250797" y="5785776"/>
             <a:ext cx="1300492" cy="1300492"/>
           </a:xfrm>
           <a:prstGeom prst="rect">
@@ -5799,13 +5723,13 @@
           <p:nvPr>
             <p:extLst>
               <p:ext uri="{D42A27DB-BD31-4B8C-83A1-F6EECF244321}">
-                <p14:modId xmlns:p14="http://schemas.microsoft.com/office/powerpoint/2010/main" val="1801503111"/>
+                <p14:modId xmlns:p14="http://schemas.microsoft.com/office/powerpoint/2010/main" val="2545910498"/>
               </p:ext>
             </p:extLst>
           </p:nvPr>
         </p:nvGraphicFramePr>
         <p:xfrm>
-          <a:off x="9764478" y="2783791"/>
+          <a:off x="9646912" y="1825910"/>
           <a:ext cx="3401599" cy="2583770"/>
         </p:xfrm>
         <a:graphic>
@@ -6987,13 +6911,13 @@
           <p:nvPr>
             <p:extLst>
               <p:ext uri="{D42A27DB-BD31-4B8C-83A1-F6EECF244321}">
-                <p14:modId xmlns:p14="http://schemas.microsoft.com/office/powerpoint/2010/main" val="3030083028"/>
+                <p14:modId xmlns:p14="http://schemas.microsoft.com/office/powerpoint/2010/main" val="1467559803"/>
               </p:ext>
             </p:extLst>
           </p:nvPr>
         </p:nvGraphicFramePr>
         <p:xfrm>
-          <a:off x="9764478" y="5433857"/>
+          <a:off x="9646912" y="4409680"/>
           <a:ext cx="3911023" cy="2587594"/>
         </p:xfrm>
         <a:graphic>
@@ -7124,14 +7048,22 @@
                     <a:p>
                       <a:pPr algn="l" fontAlgn="ctr"/>
                       <a:r>
-                        <a:rPr lang="es-ES" sz="1200" u="none" strike="noStrike">
+                        <a:rPr lang="es-ES" sz="1200" u="none" strike="noStrike" dirty="0" err="1">
                           <a:effectLst/>
                           <a:latin typeface="Fira Code Light" panose="020B0409050000020004" pitchFamily="49" charset="0"/>
                           <a:ea typeface="Fira Code Light" panose="020B0409050000020004" pitchFamily="49" charset="0"/>
                         </a:rPr>
-                        <a:t>Navigate Back</a:t>
-                      </a:r>
-                      <a:endParaRPr lang="es-ES" sz="1200" b="1" i="0" u="none" strike="noStrike">
+                        <a:t>Navigate</a:t>
+                      </a:r>
+                      <a:r>
+                        <a:rPr lang="es-ES" sz="1200" u="none" strike="noStrike" dirty="0">
+                          <a:effectLst/>
+                          <a:latin typeface="Fira Code Light" panose="020B0409050000020004" pitchFamily="49" charset="0"/>
+                          <a:ea typeface="Fira Code Light" panose="020B0409050000020004" pitchFamily="49" charset="0"/>
+                        </a:rPr>
+                        <a:t> Back</a:t>
+                      </a:r>
+                      <a:endParaRPr lang="es-ES" sz="1200" b="1" i="0" u="none" strike="noStrike" dirty="0">
                         <a:solidFill>
                           <a:srgbClr val="444444"/>
                         </a:solidFill>
@@ -8101,13 +8033,13 @@
           <p:nvPr>
             <p:extLst>
               <p:ext uri="{D42A27DB-BD31-4B8C-83A1-F6EECF244321}">
-                <p14:modId xmlns:p14="http://schemas.microsoft.com/office/powerpoint/2010/main" val="3961124408"/>
+                <p14:modId xmlns:p14="http://schemas.microsoft.com/office/powerpoint/2010/main" val="393400792"/>
               </p:ext>
             </p:extLst>
           </p:nvPr>
         </p:nvGraphicFramePr>
         <p:xfrm>
-          <a:off x="545543" y="6381981"/>
+          <a:off x="477313" y="5433857"/>
           <a:ext cx="3911022" cy="3518240"/>
         </p:xfrm>
         <a:graphic>
@@ -8140,14 +8072,14 @@
                     <a:p>
                       <a:pPr algn="l" fontAlgn="ctr"/>
                       <a:r>
-                        <a:rPr lang="es-ES" sz="1200" b="1" u="none" strike="noStrike">
+                        <a:rPr lang="es-ES" sz="1200" b="1" u="none" strike="noStrike" dirty="0">
                           <a:effectLst/>
                           <a:latin typeface="Fira Code Light" panose="020B0409050000020004" pitchFamily="49" charset="0"/>
                           <a:ea typeface="Fira Code Light" panose="020B0409050000020004" pitchFamily="49" charset="0"/>
                         </a:rPr>
                         <a:t>M` </a:t>
                       </a:r>
-                      <a:endParaRPr lang="es-ES" sz="1200" b="1" i="0" u="none" strike="noStrike">
+                      <a:endParaRPr lang="es-ES" sz="1200" b="1" i="0" u="none" strike="noStrike" dirty="0">
                         <a:solidFill>
                           <a:srgbClr val="444444"/>
                         </a:solidFill>
@@ -9905,13 +9837,13 @@
           <p:nvPr>
             <p:extLst>
               <p:ext uri="{D42A27DB-BD31-4B8C-83A1-F6EECF244321}">
-                <p14:modId xmlns:p14="http://schemas.microsoft.com/office/powerpoint/2010/main" val="2302648425"/>
+                <p14:modId xmlns:p14="http://schemas.microsoft.com/office/powerpoint/2010/main" val="3691117562"/>
               </p:ext>
             </p:extLst>
           </p:nvPr>
         </p:nvGraphicFramePr>
         <p:xfrm>
-          <a:off x="536976" y="2784343"/>
+          <a:off x="477313" y="1813479"/>
           <a:ext cx="4467497" cy="3584021"/>
         </p:xfrm>
         <a:graphic>

--- a/cheatsheet.pptx
+++ b/cheatsheet.pptx
@@ -2140,7 +2140,7 @@
           </a:ln>
           <a:extLst>
             <a:ext uri="{C572A759-6A51-4108-AA02-DFA0A04FC94B}">
-              <ma14:wrappingTextBoxFlag xmlns:ma14="http://schemas.microsoft.com/office/mac/drawingml/2011/main" xmlns="" val="1"/>
+              <ma14:wrappingTextBoxFlag xmlns="" xmlns:ma14="http://schemas.microsoft.com/office/mac/drawingml/2011/main" val="1"/>
             </a:ext>
           </a:extLst>
         </p:spPr>
@@ -2179,7 +2179,7 @@
           </a:ln>
           <a:extLst>
             <a:ext uri="{C572A759-6A51-4108-AA02-DFA0A04FC94B}">
-              <ma14:wrappingTextBoxFlag xmlns:ma14="http://schemas.microsoft.com/office/mac/drawingml/2011/main" xmlns="" val="1"/>
+              <ma14:wrappingTextBoxFlag xmlns="" xmlns:ma14="http://schemas.microsoft.com/office/mac/drawingml/2011/main" val="1"/>
             </a:ext>
           </a:extLst>
         </p:spPr>
@@ -3159,7 +3159,7 @@
           </a:ln>
           <a:extLst>
             <a:ext uri="{C572A759-6A51-4108-AA02-DFA0A04FC94B}">
-              <ma14:wrappingTextBoxFlag xmlns:ma14="http://schemas.microsoft.com/office/mac/drawingml/2011/main" xmlns="" val="1"/>
+              <ma14:wrappingTextBoxFlag xmlns="" xmlns:ma14="http://schemas.microsoft.com/office/mac/drawingml/2011/main" val="1"/>
             </a:ext>
           </a:extLst>
         </p:spPr>
